--- a/Later/Java_Networking/1/Java_Networking_Intro.pptx
+++ b/Later/Java_Networking/1/Java_Networking_Intro.pptx
@@ -193,7 +193,7 @@
           <a:p>
             <a:fld id="{62274EC6-3890-417B-9308-14EFBD00FA63}" type="datetimeFigureOut">
               <a:rPr lang="en-US" smtClean="0"/>
-              <a:t>7/13/2018</a:t>
+              <a:t>7/18/2018</a:t>
             </a:fld>
             <a:endParaRPr lang="en-US" dirty="0"/>
           </a:p>
@@ -821,7 +821,7 @@
             <a:fld id="{1D8BD707-D9CF-40AE-B4C6-C98DA3205C09}" type="datetimeFigureOut">
               <a:rPr lang="en-US" smtClean="0"/>
               <a:pPr/>
-              <a:t>7/13/2018</a:t>
+              <a:t>7/18/2018</a:t>
             </a:fld>
             <a:endParaRPr lang="en-US" dirty="0"/>
           </a:p>
@@ -993,7 +993,7 @@
             <a:fld id="{1D8BD707-D9CF-40AE-B4C6-C98DA3205C09}" type="datetimeFigureOut">
               <a:rPr lang="en-US" smtClean="0"/>
               <a:pPr/>
-              <a:t>7/13/2018</a:t>
+              <a:t>7/18/2018</a:t>
             </a:fld>
             <a:endParaRPr lang="en-US" dirty="0"/>
           </a:p>
@@ -1175,7 +1175,7 @@
             <a:fld id="{1D8BD707-D9CF-40AE-B4C6-C98DA3205C09}" type="datetimeFigureOut">
               <a:rPr lang="en-US" smtClean="0"/>
               <a:pPr/>
-              <a:t>7/13/2018</a:t>
+              <a:t>7/18/2018</a:t>
             </a:fld>
             <a:endParaRPr lang="en-US" dirty="0"/>
           </a:p>
@@ -1347,7 +1347,7 @@
             <a:fld id="{1D8BD707-D9CF-40AE-B4C6-C98DA3205C09}" type="datetimeFigureOut">
               <a:rPr lang="en-US" smtClean="0"/>
               <a:pPr/>
-              <a:t>7/13/2018</a:t>
+              <a:t>7/18/2018</a:t>
             </a:fld>
             <a:endParaRPr lang="en-US" dirty="0"/>
           </a:p>
@@ -1595,7 +1595,7 @@
             <a:fld id="{1D8BD707-D9CF-40AE-B4C6-C98DA3205C09}" type="datetimeFigureOut">
               <a:rPr lang="en-US" smtClean="0"/>
               <a:pPr/>
-              <a:t>7/13/2018</a:t>
+              <a:t>7/18/2018</a:t>
             </a:fld>
             <a:endParaRPr lang="en-US" dirty="0"/>
           </a:p>
@@ -1885,7 +1885,7 @@
             <a:fld id="{1D8BD707-D9CF-40AE-B4C6-C98DA3205C09}" type="datetimeFigureOut">
               <a:rPr lang="en-US" smtClean="0"/>
               <a:pPr/>
-              <a:t>7/13/2018</a:t>
+              <a:t>7/18/2018</a:t>
             </a:fld>
             <a:endParaRPr lang="en-US" dirty="0"/>
           </a:p>
@@ -2314,7 +2314,7 @@
             <a:fld id="{1D8BD707-D9CF-40AE-B4C6-C98DA3205C09}" type="datetimeFigureOut">
               <a:rPr lang="en-US" smtClean="0"/>
               <a:pPr/>
-              <a:t>7/13/2018</a:t>
+              <a:t>7/18/2018</a:t>
             </a:fld>
             <a:endParaRPr lang="en-US" dirty="0"/>
           </a:p>
@@ -2434,7 +2434,7 @@
             <a:fld id="{1D8BD707-D9CF-40AE-B4C6-C98DA3205C09}" type="datetimeFigureOut">
               <a:rPr lang="en-US" smtClean="0"/>
               <a:pPr/>
-              <a:t>7/13/2018</a:t>
+              <a:t>7/18/2018</a:t>
             </a:fld>
             <a:endParaRPr lang="en-US" dirty="0"/>
           </a:p>
@@ -2531,7 +2531,7 @@
             <a:fld id="{1D8BD707-D9CF-40AE-B4C6-C98DA3205C09}" type="datetimeFigureOut">
               <a:rPr lang="en-US" smtClean="0"/>
               <a:pPr/>
-              <a:t>7/13/2018</a:t>
+              <a:t>7/18/2018</a:t>
             </a:fld>
             <a:endParaRPr lang="en-US" dirty="0"/>
           </a:p>
@@ -2810,7 +2810,7 @@
             <a:fld id="{1D8BD707-D9CF-40AE-B4C6-C98DA3205C09}" type="datetimeFigureOut">
               <a:rPr lang="en-US" smtClean="0"/>
               <a:pPr/>
-              <a:t>7/13/2018</a:t>
+              <a:t>7/18/2018</a:t>
             </a:fld>
             <a:endParaRPr lang="en-US" dirty="0"/>
           </a:p>
@@ -3065,7 +3065,7 @@
             <a:fld id="{1D8BD707-D9CF-40AE-B4C6-C98DA3205C09}" type="datetimeFigureOut">
               <a:rPr lang="en-US" smtClean="0"/>
               <a:pPr/>
-              <a:t>7/13/2018</a:t>
+              <a:t>7/18/2018</a:t>
             </a:fld>
             <a:endParaRPr lang="en-US" dirty="0"/>
           </a:p>
@@ -3280,7 +3280,7 @@
             <a:fld id="{1D8BD707-D9CF-40AE-B4C6-C98DA3205C09}" type="datetimeFigureOut">
               <a:rPr lang="en-US" smtClean="0"/>
               <a:pPr/>
-              <a:t>7/13/2018</a:t>
+              <a:t>7/18/2018</a:t>
             </a:fld>
             <a:endParaRPr lang="en-US" dirty="0"/>
           </a:p>
@@ -3821,47 +3821,6 @@
           </a:p>
         </p:txBody>
       </p:sp>
-      <p:pic>
-        <p:nvPicPr>
-          <p:cNvPr id="5" name="Picture 2" descr="Image result for laptop"/>
-          <p:cNvPicPr>
-            <a:picLocks noChangeAspect="1" noChangeArrowheads="1"/>
-          </p:cNvPicPr>
-          <p:nvPr/>
-        </p:nvPicPr>
-        <p:blipFill>
-          <a:blip r:embed="rId4" cstate="print">
-            <a:extLst>
-              <a:ext uri="{28A0092B-C50C-407E-A947-70E740481C1C}">
-                <a14:useLocalDpi xmlns:a14="http://schemas.microsoft.com/office/drawing/2010/main" val="0"/>
-              </a:ext>
-            </a:extLst>
-          </a:blip>
-          <a:srcRect/>
-          <a:stretch>
-            <a:fillRect/>
-          </a:stretch>
-        </p:blipFill>
-        <p:spPr bwMode="auto">
-          <a:xfrm>
-            <a:off x="431800" y="2133881"/>
-            <a:ext cx="3349625" cy="1884164"/>
-          </a:xfrm>
-          <a:prstGeom prst="rect">
-            <a:avLst/>
-          </a:prstGeom>
-          <a:noFill/>
-          <a:extLst>
-            <a:ext uri="{909E8E84-426E-40DD-AFC4-6F175D3DCCD1}">
-              <a14:hiddenFill xmlns:a14="http://schemas.microsoft.com/office/drawing/2010/main">
-                <a:solidFill>
-                  <a:srgbClr val="FFFFFF"/>
-                </a:solidFill>
-              </a14:hiddenFill>
-            </a:ext>
-          </a:extLst>
-        </p:spPr>
-      </p:pic>
       <p:sp>
         <p:nvSpPr>
           <p:cNvPr id="6" name="AutoShape 4" descr="Image result for laptop"/>
@@ -3901,190 +3860,6 @@
           </a:p>
         </p:txBody>
       </p:sp>
-      <p:pic>
-        <p:nvPicPr>
-          <p:cNvPr id="1030" name="Picture 6" descr="Image result for laptop"/>
-          <p:cNvPicPr>
-            <a:picLocks noChangeAspect="1" noChangeArrowheads="1"/>
-          </p:cNvPicPr>
-          <p:nvPr/>
-        </p:nvPicPr>
-        <p:blipFill>
-          <a:blip r:embed="rId5">
-            <a:extLst>
-              <a:ext uri="{28A0092B-C50C-407E-A947-70E740481C1C}">
-                <a14:useLocalDpi xmlns:a14="http://schemas.microsoft.com/office/drawing/2010/main" val="0"/>
-              </a:ext>
-            </a:extLst>
-          </a:blip>
-          <a:srcRect/>
-          <a:stretch>
-            <a:fillRect/>
-          </a:stretch>
-        </p:blipFill>
-        <p:spPr bwMode="auto">
-          <a:xfrm>
-            <a:off x="4848225" y="827369"/>
-            <a:ext cx="3376832" cy="1912839"/>
-          </a:xfrm>
-          <a:prstGeom prst="rect">
-            <a:avLst/>
-          </a:prstGeom>
-          <a:noFill/>
-          <a:extLst>
-            <a:ext uri="{909E8E84-426E-40DD-AFC4-6F175D3DCCD1}">
-              <a14:hiddenFill xmlns:a14="http://schemas.microsoft.com/office/drawing/2010/main">
-                <a:solidFill>
-                  <a:srgbClr val="FFFFFF"/>
-                </a:solidFill>
-              </a14:hiddenFill>
-            </a:ext>
-          </a:extLst>
-        </p:spPr>
-      </p:pic>
-      <p:pic>
-        <p:nvPicPr>
-          <p:cNvPr id="1032" name="Picture 8" descr="Image result for computer device"/>
-          <p:cNvPicPr>
-            <a:picLocks noChangeAspect="1" noChangeArrowheads="1"/>
-          </p:cNvPicPr>
-          <p:nvPr/>
-        </p:nvPicPr>
-        <p:blipFill>
-          <a:blip r:embed="rId6">
-            <a:extLst>
-              <a:ext uri="{28A0092B-C50C-407E-A947-70E740481C1C}">
-                <a14:useLocalDpi xmlns:a14="http://schemas.microsoft.com/office/drawing/2010/main" val="0"/>
-              </a:ext>
-            </a:extLst>
-          </a:blip>
-          <a:srcRect/>
-          <a:stretch>
-            <a:fillRect/>
-          </a:stretch>
-        </p:blipFill>
-        <p:spPr bwMode="auto">
-          <a:xfrm>
-            <a:off x="5762625" y="2971800"/>
-            <a:ext cx="2892425" cy="2092489"/>
-          </a:xfrm>
-          <a:prstGeom prst="rect">
-            <a:avLst/>
-          </a:prstGeom>
-          <a:noFill/>
-          <a:extLst>
-            <a:ext uri="{909E8E84-426E-40DD-AFC4-6F175D3DCCD1}">
-              <a14:hiddenFill xmlns:a14="http://schemas.microsoft.com/office/drawing/2010/main">
-                <a:solidFill>
-                  <a:srgbClr val="FFFFFF"/>
-                </a:solidFill>
-              </a14:hiddenFill>
-            </a:ext>
-          </a:extLst>
-        </p:spPr>
-      </p:pic>
-      <p:cxnSp>
-        <p:nvCxnSpPr>
-          <p:cNvPr id="9" name="Straight Arrow Connector 8"/>
-          <p:cNvCxnSpPr/>
-          <p:nvPr/>
-        </p:nvCxnSpPr>
-        <p:spPr>
-          <a:xfrm flipV="1">
-            <a:off x="3324225" y="2436894"/>
-            <a:ext cx="2438400" cy="838200"/>
-          </a:xfrm>
-          <a:prstGeom prst="straightConnector1">
-            <a:avLst/>
-          </a:prstGeom>
-          <a:ln>
-            <a:headEnd type="arrow"/>
-            <a:tailEnd type="arrow"/>
-          </a:ln>
-        </p:spPr>
-        <p:style>
-          <a:lnRef idx="1">
-            <a:schemeClr val="accent1"/>
-          </a:lnRef>
-          <a:fillRef idx="0">
-            <a:schemeClr val="accent1"/>
-          </a:fillRef>
-          <a:effectRef idx="0">
-            <a:schemeClr val="accent1"/>
-          </a:effectRef>
-          <a:fontRef idx="minor">
-            <a:schemeClr val="tx1"/>
-          </a:fontRef>
-        </p:style>
-      </p:cxnSp>
-      <p:cxnSp>
-        <p:nvCxnSpPr>
-          <p:cNvPr id="11" name="Straight Arrow Connector 10"/>
-          <p:cNvCxnSpPr/>
-          <p:nvPr/>
-        </p:nvCxnSpPr>
-        <p:spPr>
-          <a:xfrm>
-            <a:off x="3324225" y="3275094"/>
-            <a:ext cx="2590800" cy="914400"/>
-          </a:xfrm>
-          <a:prstGeom prst="straightConnector1">
-            <a:avLst/>
-          </a:prstGeom>
-          <a:ln>
-            <a:headEnd type="arrow"/>
-            <a:tailEnd type="arrow"/>
-          </a:ln>
-        </p:spPr>
-        <p:style>
-          <a:lnRef idx="1">
-            <a:schemeClr val="accent1"/>
-          </a:lnRef>
-          <a:fillRef idx="0">
-            <a:schemeClr val="accent1"/>
-          </a:fillRef>
-          <a:effectRef idx="0">
-            <a:schemeClr val="accent1"/>
-          </a:effectRef>
-          <a:fontRef idx="minor">
-            <a:schemeClr val="tx1"/>
-          </a:fontRef>
-        </p:style>
-      </p:cxnSp>
-      <p:cxnSp>
-        <p:nvCxnSpPr>
-          <p:cNvPr id="13" name="Straight Arrow Connector 12"/>
-          <p:cNvCxnSpPr/>
-          <p:nvPr/>
-        </p:nvCxnSpPr>
-        <p:spPr>
-          <a:xfrm>
-            <a:off x="5762625" y="2513094"/>
-            <a:ext cx="457200" cy="685800"/>
-          </a:xfrm>
-          <a:prstGeom prst="straightConnector1">
-            <a:avLst/>
-          </a:prstGeom>
-          <a:ln>
-            <a:headEnd type="arrow"/>
-            <a:tailEnd type="arrow"/>
-          </a:ln>
-        </p:spPr>
-        <p:style>
-          <a:lnRef idx="1">
-            <a:schemeClr val="accent1"/>
-          </a:lnRef>
-          <a:fillRef idx="0">
-            <a:schemeClr val="accent1"/>
-          </a:fillRef>
-          <a:effectRef idx="0">
-            <a:schemeClr val="accent1"/>
-          </a:effectRef>
-          <a:fontRef idx="minor">
-            <a:schemeClr val="tx1"/>
-          </a:fontRef>
-        </p:style>
-      </p:cxnSp>
       <p:sp>
         <p:nvSpPr>
           <p:cNvPr id="14" name="Rectangle 13"/>
@@ -4148,10 +3923,50 @@
               <a:rPr lang="en-US" sz="1200" dirty="0"/>
               <a:t>Java socket programming provides facility to share data between different computing devices.</a:t>
             </a:r>
-            <a:endParaRPr lang="en-US" sz="1200" dirty="0"/>
-          </a:p>
-        </p:txBody>
-      </p:sp>
+          </a:p>
+        </p:txBody>
+      </p:sp>
+      <p:pic>
+        <p:nvPicPr>
+          <p:cNvPr id="1026" name="Picture 2" descr="Image result for what is networking"/>
+          <p:cNvPicPr>
+            <a:picLocks noChangeAspect="1" noChangeArrowheads="1"/>
+          </p:cNvPicPr>
+          <p:nvPr/>
+        </p:nvPicPr>
+        <p:blipFill>
+          <a:blip r:embed="rId4">
+            <a:extLst>
+              <a:ext uri="{28A0092B-C50C-407E-A947-70E740481C1C}">
+                <a14:useLocalDpi xmlns:a14="http://schemas.microsoft.com/office/drawing/2010/main" val="0"/>
+              </a:ext>
+            </a:extLst>
+          </a:blip>
+          <a:srcRect/>
+          <a:stretch>
+            <a:fillRect/>
+          </a:stretch>
+        </p:blipFill>
+        <p:spPr bwMode="auto">
+          <a:xfrm>
+            <a:off x="1167607" y="1828800"/>
+            <a:ext cx="6553200" cy="3071813"/>
+          </a:xfrm>
+          <a:prstGeom prst="rect">
+            <a:avLst/>
+          </a:prstGeom>
+          <a:noFill/>
+          <a:extLst>
+            <a:ext uri="{909E8E84-426E-40DD-AFC4-6F175D3DCCD1}">
+              <a14:hiddenFill xmlns:a14="http://schemas.microsoft.com/office/drawing/2010/main">
+                <a:solidFill>
+                  <a:srgbClr val="FFFFFF"/>
+                </a:solidFill>
+              </a14:hiddenFill>
+            </a:ext>
+          </a:extLst>
+        </p:spPr>
+      </p:pic>
     </p:spTree>
     <p:extLst>
       <p:ext uri="{BB962C8B-B14F-4D97-AF65-F5344CB8AC3E}">
